--- a/presentations/ietf-114.pptx
+++ b/presentations/ietf-114.pptx
@@ -1,6 +1,6 @@
 
 <file path=ppt/presentation.xml><?xml version="1.0" encoding="utf-8"?>
-<p:presentation xmlns:a="http://schemas.openxmlformats.org/drawingml/2006/main" xmlns:r="http://schemas.openxmlformats.org/officeDocument/2006/relationships" xmlns:mc="http://schemas.openxmlformats.org/markup-compatibility/2006" xmlns:mv="urn:schemas-microsoft-com:mac:vml" xmlns:p="http://schemas.openxmlformats.org/presentationml/2006/main" xmlns:c="http://schemas.openxmlformats.org/drawingml/2006/chart" xmlns:dgm="http://schemas.openxmlformats.org/drawingml/2006/diagram" xmlns:o="urn:schemas-microsoft-com:office:office" xmlns:v="urn:schemas-microsoft-com:vml" xmlns:pvml="urn:schemas-microsoft-com:office:powerpoint" xmlns:com="http://schemas.openxmlformats.org/drawingml/2006/compatibility" xmlns:p14="http://schemas.microsoft.com/office/powerpoint/2010/main" xmlns:p15="http://schemas.microsoft.com/office/powerpoint/2012/main" xmlns:ahyp="http://schemas.microsoft.com/office/drawing/2018/hyperlinkcolor" autoCompressPictures="0" strictFirstAndLastChars="0" saveSubsetFonts="1">
+<p:presentation xmlns:a="http://schemas.openxmlformats.org/drawingml/2006/main" xmlns:r="http://schemas.openxmlformats.org/officeDocument/2006/relationships" xmlns:mc="http://schemas.openxmlformats.org/markup-compatibility/2006" xmlns:mv="urn:schemas-microsoft-com:mac:vml" xmlns:p="http://schemas.openxmlformats.org/presentationml/2006/main" xmlns:c="http://schemas.openxmlformats.org/drawingml/2006/chart" xmlns:dgm="http://schemas.openxmlformats.org/drawingml/2006/diagram" xmlns:o="urn:schemas-microsoft-com:office:office" xmlns:v="urn:schemas-microsoft-com:vml" xmlns:pvml="urn:schemas-microsoft-com:office:powerpoint" xmlns:com="http://schemas.openxmlformats.org/drawingml/2006/compatibility" xmlns:p14="http://schemas.microsoft.com/office/powerpoint/2010/main" xmlns:p15="http://schemas.microsoft.com/office/powerpoint/2012/main" xmlns:ahyp="http://schemas.microsoft.com/office/drawing/2018/hyperlinkcolor" autoCompressPictures="0" embedTrueTypeFonts="1" strictFirstAndLastChars="0" saveSubsetFonts="1">
   <p:sldMasterIdLst>
     <p:sldMasterId id="2147483670" r:id="rId5"/>
     <p:sldMasterId id="2147483671" r:id="rId6"/>
@@ -17,6 +17,15 @@
   </p:sldIdLst>
   <p:sldSz cy="5143500" cx="9144000"/>
   <p:notesSz cx="6858000" cy="9144000"/>
+  <p:embeddedFontLst>
+    <p:embeddedFont>
+      <p:font typeface="Roboto"/>
+      <p:regular r:id="rId13"/>
+      <p:bold r:id="rId14"/>
+      <p:italic r:id="rId15"/>
+      <p:boldItalic r:id="rId16"/>
+    </p:embeddedFont>
+  </p:embeddedFontLst>
   <p:defaultTextStyle>
     <a:defPPr lvl="0" marR="0" rtl="0" algn="l">
       <a:lnSpc>
@@ -267,15 +276,38 @@
 
 <file path=ppt/commentAuthors.xml><?xml version="1.0" encoding="utf-8"?>
 <p:cmAuthorLst xmlns:a="http://schemas.openxmlformats.org/drawingml/2006/main" xmlns:r="http://schemas.openxmlformats.org/officeDocument/2006/relationships" xmlns:mc="http://schemas.openxmlformats.org/markup-compatibility/2006" xmlns:mv="urn:schemas-microsoft-com:mac:vml" xmlns:p="http://schemas.openxmlformats.org/presentationml/2006/main" xmlns:c="http://schemas.openxmlformats.org/drawingml/2006/chart" xmlns:dgm="http://schemas.openxmlformats.org/drawingml/2006/diagram" xmlns:o="urn:schemas-microsoft-com:office:office" xmlns:v="urn:schemas-microsoft-com:vml" xmlns:pvml="urn:schemas-microsoft-com:office:powerpoint" xmlns:com="http://schemas.openxmlformats.org/drawingml/2006/compatibility" xmlns:p14="http://schemas.microsoft.com/office/powerpoint/2010/main" xmlns:p15="http://schemas.microsoft.com/office/powerpoint/2012/main" xmlns:ahyp="http://schemas.microsoft.com/office/drawing/2018/hyperlinkcolor">
-  <p:cmAuthor clrIdx="0" id="0" initials="" lastIdx="1" name="Sean Turner"/>
+  <p:cmAuthor clrIdx="0" id="0" initials="" lastIdx="3" name="Pan K"/>
+  <p:cmAuthor clrIdx="1" id="1" initials="" lastIdx="1" name="Sean Turner"/>
 </p:cmAuthorLst>
 </file>
 
 <file path=ppt/comments/comment1.xml><?xml version="1.0" encoding="utf-8"?>
 <p:cmLst xmlns:a="http://schemas.openxmlformats.org/drawingml/2006/main" xmlns:r="http://schemas.openxmlformats.org/officeDocument/2006/relationships" xmlns:mc="http://schemas.openxmlformats.org/markup-compatibility/2006" xmlns:mv="urn:schemas-microsoft-com:mac:vml" xmlns:p="http://schemas.openxmlformats.org/presentationml/2006/main" xmlns:c="http://schemas.openxmlformats.org/drawingml/2006/chart" xmlns:dgm="http://schemas.openxmlformats.org/drawingml/2006/diagram" xmlns:o="urn:schemas-microsoft-com:office:office" xmlns:v="urn:schemas-microsoft-com:vml" xmlns:pvml="urn:schemas-microsoft-com:office:powerpoint" xmlns:com="http://schemas.openxmlformats.org/drawingml/2006/compatibility" xmlns:p14="http://schemas.microsoft.com/office/powerpoint/2010/main" xmlns:p15="http://schemas.microsoft.com/office/powerpoint/2012/main" xmlns:ahyp="http://schemas.microsoft.com/office/drawing/2018/hyperlinkcolor">
-  <p:cm authorId="0" idx="1" dt="2022-03-17T04:52:14.824">
+  <p:cm authorId="0" idx="1" dt="2022-07-26T02:00:22.451">
     <p:pos x="396" y="862"/>
+    <p:text>sldo because it has good performance.</p:text>
+  </p:cm>
+  <p:cm authorId="1" idx="1" dt="2022-03-17T04:52:14.824">
+    <p:pos x="396" y="962"/>
     <p:text>We did remove the updates.</p:text>
+  </p:cm>
+</p:cmLst>
+</file>
+
+<file path=ppt/comments/comment2.xml><?xml version="1.0" encoding="utf-8"?>
+<p:cmLst xmlns:a="http://schemas.openxmlformats.org/drawingml/2006/main" xmlns:r="http://schemas.openxmlformats.org/officeDocument/2006/relationships" xmlns:mc="http://schemas.openxmlformats.org/markup-compatibility/2006" xmlns:mv="urn:schemas-microsoft-com:mac:vml" xmlns:p="http://schemas.openxmlformats.org/presentationml/2006/main" xmlns:c="http://schemas.openxmlformats.org/drawingml/2006/chart" xmlns:dgm="http://schemas.openxmlformats.org/drawingml/2006/diagram" xmlns:o="urn:schemas-microsoft-com:office:office" xmlns:v="urn:schemas-microsoft-com:vml" xmlns:pvml="urn:schemas-microsoft-com:office:powerpoint" xmlns:com="http://schemas.openxmlformats.org/drawingml/2006/compatibility" xmlns:p14="http://schemas.microsoft.com/office/powerpoint/2010/main" xmlns:p15="http://schemas.microsoft.com/office/powerpoint/2012/main" xmlns:ahyp="http://schemas.microsoft.com/office/drawing/2018/hyperlinkcolor">
+  <p:cm authorId="0" idx="2" dt="2022-07-26T02:02:19.202">
+    <p:pos x="396" y="862"/>
+    <p:text>Also mention that as with the PQ hybrid TLS 1.3 draft, the intention is for this to be ratified after 2024 that NIST will have specified the algorithms.</p:text>
+  </p:cm>
+</p:cmLst>
+</file>
+
+<file path=ppt/comments/comment3.xml><?xml version="1.0" encoding="utf-8"?>
+<p:cmLst xmlns:a="http://schemas.openxmlformats.org/drawingml/2006/main" xmlns:r="http://schemas.openxmlformats.org/officeDocument/2006/relationships" xmlns:mc="http://schemas.openxmlformats.org/markup-compatibility/2006" xmlns:mv="urn:schemas-microsoft-com:mac:vml" xmlns:p="http://schemas.openxmlformats.org/presentationml/2006/main" xmlns:c="http://schemas.openxmlformats.org/drawingml/2006/chart" xmlns:dgm="http://schemas.openxmlformats.org/drawingml/2006/diagram" xmlns:o="urn:schemas-microsoft-com:office:office" xmlns:v="urn:schemas-microsoft-com:vml" xmlns:pvml="urn:schemas-microsoft-com:office:powerpoint" xmlns:com="http://schemas.openxmlformats.org/drawingml/2006/compatibility" xmlns:p14="http://schemas.microsoft.com/office/powerpoint/2010/main" xmlns:p15="http://schemas.microsoft.com/office/powerpoint/2012/main" xmlns:ahyp="http://schemas.microsoft.com/office/drawing/2018/hyperlinkcolor">
+  <p:cm authorId="0" idx="3" dt="2022-07-26T02:03:00.694">
+    <p:pos x="330" y="934"/>
+    <p:text>"quantum-safe Dilithium signature"</p:text>
   </p:cm>
 </p:cmLst>
 </file>
@@ -16210,7 +16242,7 @@
         </p:spPr>
         <p:txBody>
           <a:bodyPr anchorCtr="0" anchor="t" bIns="34275" lIns="68575" spcFirstLastPara="1" rIns="68575" wrap="square" tIns="34275">
-            <a:normAutofit/>
+            <a:normAutofit lnSpcReduction="10000"/>
           </a:bodyPr>
           <a:lstStyle/>
           <a:p>
@@ -16255,7 +16287,54 @@
             </a:pPr>
             <a:r>
               <a:rPr lang="en"/>
-              <a:t>The inclusion of the algorithms selected by NIST’s PQC project into X.509 certificates.</a:t>
+              <a:t>The inclusion of the algorithms selected by NIST’s PQC project into X.509 certificates. </a:t>
+            </a:r>
+            <a:endParaRPr/>
+          </a:p>
+          <a:p>
+            <a:pPr indent="-222250" lvl="1" marL="520700" rtl="0" algn="l">
+              <a:lnSpc>
+                <a:spcPct val="90000"/>
+              </a:lnSpc>
+              <a:spcBef>
+                <a:spcPts val="800"/>
+              </a:spcBef>
+              <a:spcAft>
+                <a:spcPts val="0"/>
+              </a:spcAft>
+              <a:buClr>
+                <a:schemeClr val="dk1"/>
+              </a:buClr>
+              <a:buSzPts val="2100"/>
+              <a:buChar char="•"/>
+            </a:pPr>
+            <a:r>
+              <a:rPr lang="en" sz="1500"/>
+              <a:t>A focus on Dilithium as NIST has stated it is the </a:t>
+            </a:r>
+            <a:r>
+              <a:rPr lang="en" sz="1500"/>
+              <a:t>primary algorithm to be implemented</a:t>
+            </a:r>
+            <a:r>
+              <a:rPr lang="en" sz="1500"/>
+              <a:t> and it has well </a:t>
+            </a:r>
+            <a:r>
+              <a:rPr lang="en" sz="1500"/>
+              <a:t>balanced</a:t>
+            </a:r>
+            <a:r>
+              <a:rPr lang="en" sz="1500"/>
+              <a:t> performance</a:t>
+            </a:r>
+            <a:r>
+              <a:rPr lang="en" sz="1500"/>
+              <a:t>.</a:t>
+            </a:r>
+            <a:r>
+              <a:rPr lang="en"/>
+              <a:t> </a:t>
             </a:r>
             <a:endParaRPr/>
           </a:p>
@@ -16280,29 +16359,6 @@
               <a:rPr lang="en"/>
               <a:t>This is aimed at the description of “pure” (i.e., non-composite/hybrid) certificates.</a:t>
             </a:r>
-            <a:endParaRPr/>
-          </a:p>
-          <a:p>
-            <a:pPr indent="-171450" lvl="1" marL="520700" rtl="0" algn="l">
-              <a:lnSpc>
-                <a:spcPct val="90000"/>
-              </a:lnSpc>
-              <a:spcBef>
-                <a:spcPts val="400"/>
-              </a:spcBef>
-              <a:spcAft>
-                <a:spcPts val="0"/>
-              </a:spcAft>
-              <a:buClr>
-                <a:schemeClr val="dk1"/>
-              </a:buClr>
-              <a:buSzPts val="1500"/>
-              <a:buChar char="•"/>
-            </a:pPr>
-            <a:r>
-              <a:rPr lang="en" sz="1500"/>
-              <a:t>May also be useful in describing the PQ part of draft-truskovsky-lamps-pq-hybrid-x509-01</a:t>
-            </a:r>
             <a:endParaRPr sz="1500"/>
           </a:p>
           <a:p>
@@ -16324,7 +16380,7 @@
             </a:pPr>
             <a:r>
               <a:rPr lang="en"/>
-              <a:t>This of this as </a:t>
+              <a:t>Think of this as</a:t>
             </a:r>
             <a:r>
               <a:rPr lang="en"/>
@@ -16513,8 +16569,8 @@
         </p:nvSpPr>
         <p:spPr>
           <a:xfrm>
-            <a:off x="628650" y="1369219"/>
-            <a:ext cx="7886700" cy="3263504"/>
+            <a:off x="628650" y="1369225"/>
+            <a:ext cx="7886700" cy="3435300"/>
           </a:xfrm>
           <a:prstGeom prst="rect">
             <a:avLst/>
@@ -16526,7 +16582,7 @@
         </p:spPr>
         <p:txBody>
           <a:bodyPr anchorCtr="0" anchor="t" bIns="34275" lIns="68575" spcFirstLastPara="1" rIns="68575" wrap="square" tIns="34275">
-            <a:normAutofit fontScale="92500" lnSpcReduction="10000"/>
+            <a:normAutofit fontScale="92500" lnSpcReduction="20000"/>
           </a:bodyPr>
           <a:lstStyle/>
           <a:p>
@@ -16548,7 +16604,15 @@
             </a:pPr>
             <a:r>
               <a:rPr b="1" lang="en"/>
-              <a:t>Why Now?</a:t>
+              <a:t>Why </a:t>
+            </a:r>
+            <a:r>
+              <a:rPr b="1" lang="en"/>
+              <a:t>Now</a:t>
+            </a:r>
+            <a:r>
+              <a:rPr b="1" lang="en"/>
+              <a:t>?</a:t>
             </a:r>
             <a:endParaRPr/>
           </a:p>
@@ -16617,7 +16681,7 @@
             </a:pPr>
             <a:r>
               <a:rPr lang="en"/>
-              <a:t>Heavy Machinery.</a:t>
+              <a:t>Heavy machinery.</a:t>
             </a:r>
             <a:endParaRPr/>
           </a:p>
@@ -16663,12 +16727,12 @@
             </a:pPr>
             <a:r>
               <a:rPr lang="en"/>
-              <a:t>NIST has now announced the quantum secure signature algorithms for standardization, adoption will take time. Aligns with LAMPS charter to “adopt draft for PQC signatures in PKIX certificates”.</a:t>
+              <a:t>NIST has now announced the quantum-secure signature algorithms for standardization (Dilithium, SPHINCS+, FALCON), adoption will take time.</a:t>
             </a:r>
             <a:endParaRPr/>
           </a:p>
           <a:p>
-            <a:pPr indent="-50800" lvl="0" marL="177800" rtl="0" algn="l">
+            <a:pPr indent="-174148" lvl="0" marL="177800" rtl="0" algn="l">
               <a:lnSpc>
                 <a:spcPct val="90000"/>
               </a:lnSpc>
@@ -16682,10 +16746,39 @@
                 <a:schemeClr val="dk1"/>
               </a:buClr>
               <a:buSzPct val="100000"/>
-              <a:buNone/>
+              <a:buChar char="•"/>
             </a:pPr>
             <a:r>
-              <a:t/>
+              <a:rPr lang="en"/>
+              <a:t>Aligns with LAMPS charter to “adopt draft for PQC signatures in PKIX certificates”.</a:t>
+            </a:r>
+            <a:endParaRPr/>
+          </a:p>
+          <a:p>
+            <a:pPr indent="-171211" lvl="0" marL="177800" rtl="0" algn="l">
+              <a:lnSpc>
+                <a:spcPct val="90000"/>
+              </a:lnSpc>
+              <a:spcBef>
+                <a:spcPts val="800"/>
+              </a:spcBef>
+              <a:spcAft>
+                <a:spcPts val="0"/>
+              </a:spcAft>
+              <a:buSzPct val="100000"/>
+              <a:buChar char="•"/>
+            </a:pPr>
+            <a:r>
+              <a:rPr lang="en" sz="2050">
+                <a:highlight>
+                  <a:srgbClr val="FFFFFF"/>
+                </a:highlight>
+                <a:latin typeface="Roboto"/>
+                <a:ea typeface="Roboto"/>
+                <a:cs typeface="Roboto"/>
+                <a:sym typeface="Roboto"/>
+              </a:rPr>
+              <a:t>As with the PQ hybrid TLS 1.3 draft, the intention is for this to be ratified after 2024 that NIST will have specified the algorithms.</a:t>
             </a:r>
             <a:endParaRPr/>
           </a:p>
@@ -17128,7 +17221,67 @@
                 <a:cs typeface="Calibri"/>
                 <a:sym typeface="Calibri"/>
               </a:rPr>
-              <a:t>Define data structures for the use of quantum-safe algorithms in X.509.</a:t>
+              <a:t>Define data structures for the use of quantum-</a:t>
+            </a:r>
+            <a:r>
+              <a:rPr b="0" i="0" lang="en" sz="2100" u="none" cap="none" strike="noStrike">
+                <a:solidFill>
+                  <a:schemeClr val="dk1"/>
+                </a:solidFill>
+                <a:latin typeface="Calibri"/>
+                <a:ea typeface="Calibri"/>
+                <a:cs typeface="Calibri"/>
+                <a:sym typeface="Calibri"/>
+              </a:rPr>
+              <a:t>safe</a:t>
+            </a:r>
+            <a:r>
+              <a:rPr b="0" i="0" lang="en" sz="2100" u="none" cap="none" strike="noStrike">
+                <a:solidFill>
+                  <a:schemeClr val="dk1"/>
+                </a:solidFill>
+                <a:latin typeface="Calibri"/>
+                <a:ea typeface="Calibri"/>
+                <a:cs typeface="Calibri"/>
+                <a:sym typeface="Calibri"/>
+              </a:rPr>
+              <a:t> </a:t>
+            </a:r>
+            <a:r>
+              <a:rPr lang="en" sz="2100">
+                <a:solidFill>
+                  <a:schemeClr val="dk1"/>
+                </a:solidFill>
+                <a:latin typeface="Calibri"/>
+                <a:ea typeface="Calibri"/>
+                <a:cs typeface="Calibri"/>
+                <a:sym typeface="Calibri"/>
+              </a:rPr>
+              <a:t>Dilithium signatures </a:t>
+            </a:r>
+            <a:r>
+              <a:rPr b="0" i="0" lang="en" sz="2100" u="none" cap="none" strike="noStrike">
+                <a:solidFill>
+                  <a:schemeClr val="dk1"/>
+                </a:solidFill>
+                <a:latin typeface="Calibri"/>
+                <a:ea typeface="Calibri"/>
+                <a:cs typeface="Calibri"/>
+                <a:sym typeface="Calibri"/>
+              </a:rPr>
+              <a:t>algorithms </a:t>
+            </a:r>
+            <a:r>
+              <a:rPr b="0" i="0" lang="en" sz="2100" u="none" cap="none" strike="noStrike">
+                <a:solidFill>
+                  <a:schemeClr val="dk1"/>
+                </a:solidFill>
+                <a:latin typeface="Calibri"/>
+                <a:ea typeface="Calibri"/>
+                <a:cs typeface="Calibri"/>
+                <a:sym typeface="Calibri"/>
+              </a:rPr>
+              <a:t>in X.509.</a:t>
             </a:r>
             <a:endParaRPr sz="1100"/>
           </a:p>
@@ -17160,7 +17313,31 @@
                 <a:cs typeface="Calibri"/>
                 <a:sym typeface="Calibri"/>
               </a:rPr>
-              <a:t>Clean and concise specification for implementers (e.g. an OID per alg + parameter).</a:t>
+              <a:t>Clean and concise specification for implementers (e.g. </a:t>
+            </a:r>
+            <a:r>
+              <a:rPr lang="en" sz="2100">
+                <a:solidFill>
+                  <a:schemeClr val="dk1"/>
+                </a:solidFill>
+                <a:latin typeface="Calibri"/>
+                <a:ea typeface="Calibri"/>
+                <a:cs typeface="Calibri"/>
+                <a:sym typeface="Calibri"/>
+              </a:rPr>
+              <a:t>parameters hardcoded in OID</a:t>
+            </a:r>
+            <a:r>
+              <a:rPr b="0" i="0" lang="en" sz="2100" u="none" cap="none" strike="noStrike">
+                <a:solidFill>
+                  <a:schemeClr val="dk1"/>
+                </a:solidFill>
+                <a:latin typeface="Calibri"/>
+                <a:ea typeface="Calibri"/>
+                <a:cs typeface="Calibri"/>
+                <a:sym typeface="Calibri"/>
+              </a:rPr>
+              <a:t>).</a:t>
             </a:r>
             <a:endParaRPr b="0" i="0" sz="2100" u="none" cap="none" strike="noStrike">
               <a:solidFill>
@@ -17396,7 +17573,7 @@
             </a:pPr>
             <a:r>
               <a:rPr lang="en"/>
-              <a:t>What else is required before this draft can advance?</a:t>
+              <a:t>Would love to hear from you for review and feedback.</a:t>
             </a:r>
             <a:endParaRPr/>
           </a:p>
@@ -17517,285 +17694,6 @@
 </file>
 
 <file path=ppt/theme/theme1.xml><?xml version="1.0" encoding="utf-8"?>
-<a:theme xmlns:a="http://schemas.openxmlformats.org/drawingml/2006/main" xmlns:r="http://schemas.openxmlformats.org/officeDocument/2006/relationships" name="Simple Light">
-  <a:themeElements>
-    <a:clrScheme name="Simple Light">
-      <a:dk1>
-        <a:srgbClr val="000000"/>
-      </a:dk1>
-      <a:lt1>
-        <a:srgbClr val="FFFFFF"/>
-      </a:lt1>
-      <a:dk2>
-        <a:srgbClr val="595959"/>
-      </a:dk2>
-      <a:lt2>
-        <a:srgbClr val="EEEEEE"/>
-      </a:lt2>
-      <a:accent1>
-        <a:srgbClr val="4285F4"/>
-      </a:accent1>
-      <a:accent2>
-        <a:srgbClr val="212121"/>
-      </a:accent2>
-      <a:accent3>
-        <a:srgbClr val="78909C"/>
-      </a:accent3>
-      <a:accent4>
-        <a:srgbClr val="FFAB40"/>
-      </a:accent4>
-      <a:accent5>
-        <a:srgbClr val="0097A7"/>
-      </a:accent5>
-      <a:accent6>
-        <a:srgbClr val="EEFF41"/>
-      </a:accent6>
-      <a:hlink>
-        <a:srgbClr val="0097A7"/>
-      </a:hlink>
-      <a:folHlink>
-        <a:srgbClr val="0097A7"/>
-      </a:folHlink>
-    </a:clrScheme>
-    <a:fontScheme name="Office">
-      <a:majorFont>
-        <a:latin typeface="Arial"/>
-        <a:ea typeface=""/>
-        <a:cs typeface=""/>
-        <a:font script="Jpan" typeface="ＭＳ Ｐゴシック"/>
-        <a:font script="Hang" typeface="맑은 고딕"/>
-        <a:font script="Hans" typeface="宋体"/>
-        <a:font script="Hant" typeface="新細明體"/>
-        <a:font script="Arab" typeface="Times New Roman"/>
-        <a:font script="Hebr" typeface="Times New Roman"/>
-        <a:font script="Thai" typeface="Angsana New"/>
-        <a:font script="Ethi" typeface="Nyala"/>
-        <a:font script="Beng" typeface="Vrinda"/>
-        <a:font script="Gujr" typeface="Shruti"/>
-        <a:font script="Khmr" typeface="MoolBoran"/>
-        <a:font script="Knda" typeface="Tunga"/>
-        <a:font script="Guru" typeface="Raavi"/>
-        <a:font script="Cans" typeface="Euphemia"/>
-        <a:font script="Cher" typeface="Plantagenet Cherokee"/>
-        <a:font script="Yiii" typeface="Microsoft Yi Baiti"/>
-        <a:font script="Tibt" typeface="Microsoft Himalaya"/>
-        <a:font script="Thaa" typeface="MV Boli"/>
-        <a:font script="Deva" typeface="Mangal"/>
-        <a:font script="Telu" typeface="Gautami"/>
-        <a:font script="Taml" typeface="Latha"/>
-        <a:font script="Syrc" typeface="Estrangelo Edessa"/>
-        <a:font script="Orya" typeface="Kalinga"/>
-        <a:font script="Mlym" typeface="Kartika"/>
-        <a:font script="Laoo" typeface="DokChampa"/>
-        <a:font script="Sinh" typeface="Iskoola Pota"/>
-        <a:font script="Mong" typeface="Mongolian Baiti"/>
-        <a:font script="Viet" typeface="Times New Roman"/>
-        <a:font script="Uigh" typeface="Microsoft Uighur"/>
-        <a:font script="Geor" typeface="Sylfaen"/>
-      </a:majorFont>
-      <a:minorFont>
-        <a:latin typeface="Arial"/>
-        <a:ea typeface=""/>
-        <a:cs typeface=""/>
-        <a:font script="Jpan" typeface="ＭＳ Ｐゴシック"/>
-        <a:font script="Hang" typeface="맑은 고딕"/>
-        <a:font script="Hans" typeface="宋体"/>
-        <a:font script="Hant" typeface="新細明體"/>
-        <a:font script="Arab" typeface="Arial"/>
-        <a:font script="Hebr" typeface="Arial"/>
-        <a:font script="Thai" typeface="Cordia New"/>
-        <a:font script="Ethi" typeface="Nyala"/>
-        <a:font script="Beng" typeface="Vrinda"/>
-        <a:font script="Gujr" typeface="Shruti"/>
-        <a:font script="Khmr" typeface="DaunPenh"/>
-        <a:font script="Knda" typeface="Tunga"/>
-        <a:font script="Guru" typeface="Raavi"/>
-        <a:font script="Cans" typeface="Euphemia"/>
-        <a:font script="Cher" typeface="Plantagenet Cherokee"/>
-        <a:font script="Yiii" typeface="Microsoft Yi Baiti"/>
-        <a:font script="Tibt" typeface="Microsoft Himalaya"/>
-        <a:font script="Thaa" typeface="MV Boli"/>
-        <a:font script="Deva" typeface="Mangal"/>
-        <a:font script="Telu" typeface="Gautami"/>
-        <a:font script="Taml" typeface="Latha"/>
-        <a:font script="Syrc" typeface="Estrangelo Edessa"/>
-        <a:font script="Orya" typeface="Kalinga"/>
-        <a:font script="Mlym" typeface="Kartika"/>
-        <a:font script="Laoo" typeface="DokChampa"/>
-        <a:font script="Sinh" typeface="Iskoola Pota"/>
-        <a:font script="Mong" typeface="Mongolian Baiti"/>
-        <a:font script="Viet" typeface="Arial"/>
-        <a:font script="Uigh" typeface="Microsoft Uighur"/>
-        <a:font script="Geor" typeface="Sylfaen"/>
-      </a:minorFont>
-    </a:fontScheme>
-    <a:fmtScheme name="Office">
-      <a:fillStyleLst>
-        <a:solidFill>
-          <a:schemeClr val="phClr"/>
-        </a:solidFill>
-        <a:gradFill rotWithShape="1">
-          <a:gsLst>
-            <a:gs pos="0">
-              <a:schemeClr val="phClr">
-                <a:tint val="50000"/>
-                <a:satMod val="300000"/>
-              </a:schemeClr>
-            </a:gs>
-            <a:gs pos="35000">
-              <a:schemeClr val="phClr">
-                <a:tint val="37000"/>
-                <a:satMod val="300000"/>
-              </a:schemeClr>
-            </a:gs>
-            <a:gs pos="100000">
-              <a:schemeClr val="phClr">
-                <a:tint val="15000"/>
-                <a:satMod val="350000"/>
-              </a:schemeClr>
-            </a:gs>
-          </a:gsLst>
-          <a:lin ang="16200000" scaled="1"/>
-        </a:gradFill>
-        <a:gradFill rotWithShape="1">
-          <a:gsLst>
-            <a:gs pos="0">
-              <a:schemeClr val="phClr">
-                <a:tint val="100000"/>
-                <a:shade val="100000"/>
-                <a:satMod val="130000"/>
-              </a:schemeClr>
-            </a:gs>
-            <a:gs pos="100000">
-              <a:schemeClr val="phClr">
-                <a:tint val="50000"/>
-                <a:shade val="100000"/>
-                <a:satMod val="350000"/>
-              </a:schemeClr>
-            </a:gs>
-          </a:gsLst>
-          <a:lin ang="16200000" scaled="0"/>
-        </a:gradFill>
-      </a:fillStyleLst>
-      <a:lnStyleLst>
-        <a:ln w="9525" cap="flat" cmpd="sng" algn="ctr">
-          <a:solidFill>
-            <a:schemeClr val="phClr">
-              <a:shade val="95000"/>
-              <a:satMod val="105000"/>
-            </a:schemeClr>
-          </a:solidFill>
-          <a:prstDash val="solid"/>
-        </a:ln>
-        <a:ln w="25400" cap="flat" cmpd="sng" algn="ctr">
-          <a:solidFill>
-            <a:schemeClr val="phClr"/>
-          </a:solidFill>
-          <a:prstDash val="solid"/>
-        </a:ln>
-        <a:ln w="38100" cap="flat" cmpd="sng" algn="ctr">
-          <a:solidFill>
-            <a:schemeClr val="phClr"/>
-          </a:solidFill>
-          <a:prstDash val="solid"/>
-        </a:ln>
-      </a:lnStyleLst>
-      <a:effectStyleLst>
-        <a:effectStyle>
-          <a:effectLst>
-            <a:outerShdw blurRad="40000" dist="20000" dir="5400000" rotWithShape="0">
-              <a:srgbClr val="000000">
-                <a:alpha val="38000"/>
-              </a:srgbClr>
-            </a:outerShdw>
-          </a:effectLst>
-        </a:effectStyle>
-        <a:effectStyle>
-          <a:effectLst>
-            <a:outerShdw blurRad="40000" dist="23000" dir="5400000" rotWithShape="0">
-              <a:srgbClr val="000000">
-                <a:alpha val="35000"/>
-              </a:srgbClr>
-            </a:outerShdw>
-          </a:effectLst>
-        </a:effectStyle>
-        <a:effectStyle>
-          <a:effectLst>
-            <a:outerShdw blurRad="40000" dist="23000" dir="5400000" rotWithShape="0">
-              <a:srgbClr val="000000">
-                <a:alpha val="35000"/>
-              </a:srgbClr>
-            </a:outerShdw>
-          </a:effectLst>
-          <a:scene3d>
-            <a:camera prst="orthographicFront">
-              <a:rot lat="0" lon="0" rev="0"/>
-            </a:camera>
-            <a:lightRig rig="threePt" dir="t">
-              <a:rot lat="0" lon="0" rev="1200000"/>
-            </a:lightRig>
-          </a:scene3d>
-          <a:sp3d>
-            <a:bevelT w="63500" h="25400"/>
-          </a:sp3d>
-        </a:effectStyle>
-      </a:effectStyleLst>
-      <a:bgFillStyleLst>
-        <a:solidFill>
-          <a:schemeClr val="phClr"/>
-        </a:solidFill>
-        <a:gradFill rotWithShape="1">
-          <a:gsLst>
-            <a:gs pos="0">
-              <a:schemeClr val="phClr">
-                <a:tint val="40000"/>
-                <a:satMod val="350000"/>
-              </a:schemeClr>
-            </a:gs>
-            <a:gs pos="40000">
-              <a:schemeClr val="phClr">
-                <a:tint val="45000"/>
-                <a:shade val="99000"/>
-                <a:satMod val="350000"/>
-              </a:schemeClr>
-            </a:gs>
-            <a:gs pos="100000">
-              <a:schemeClr val="phClr">
-                <a:shade val="20000"/>
-                <a:satMod val="255000"/>
-              </a:schemeClr>
-            </a:gs>
-          </a:gsLst>
-          <a:path path="circle">
-            <a:fillToRect l="50000" t="-80000" r="50000" b="180000"/>
-          </a:path>
-        </a:gradFill>
-        <a:gradFill rotWithShape="1">
-          <a:gsLst>
-            <a:gs pos="0">
-              <a:schemeClr val="phClr">
-                <a:tint val="80000"/>
-                <a:satMod val="300000"/>
-              </a:schemeClr>
-            </a:gs>
-            <a:gs pos="100000">
-              <a:schemeClr val="phClr">
-                <a:shade val="30000"/>
-                <a:satMod val="200000"/>
-              </a:schemeClr>
-            </a:gs>
-          </a:gsLst>
-          <a:path path="circle">
-            <a:fillToRect l="50000" t="50000" r="50000" b="50000"/>
-          </a:path>
-        </a:gradFill>
-      </a:bgFillStyleLst>
-    </a:fmtScheme>
-  </a:themeElements>
-</a:theme>
-</file>
-
-<file path=ppt/theme/theme2.xml><?xml version="1.0" encoding="utf-8"?>
 <a:theme xmlns:a="http://schemas.openxmlformats.org/drawingml/2006/main" xmlns:r="http://schemas.openxmlformats.org/officeDocument/2006/relationships" name="Office Theme">
   <a:themeElements>
     <a:clrScheme name="Office">
@@ -18074,7 +17972,7 @@
 </a:theme>
 </file>
 
-<file path=ppt/theme/theme3.xml><?xml version="1.0" encoding="utf-8"?>
+<file path=ppt/theme/theme2.xml><?xml version="1.0" encoding="utf-8"?>
 <a:theme xmlns:a="http://schemas.openxmlformats.org/drawingml/2006/main" xmlns:r="http://schemas.openxmlformats.org/officeDocument/2006/relationships">
   <a:themeElements>
     <a:clrScheme name="Default">
@@ -18351,4 +18249,283 @@
     </a:fmtScheme>
   </a:themeElements>
 </a:theme>
+</file>
+
+<file path=ppt/theme/theme3.xml><?xml version="1.0" encoding="utf-8"?>
+<a:theme xmlns:a="http://schemas.openxmlformats.org/drawingml/2006/main" xmlns:r="http://schemas.openxmlformats.org/officeDocument/2006/relationships" name="Simple Light">
+  <a:themeElements>
+    <a:clrScheme name="Simple Light">
+      <a:dk1>
+        <a:srgbClr val="000000"/>
+      </a:dk1>
+      <a:lt1>
+        <a:srgbClr val="FFFFFF"/>
+      </a:lt1>
+      <a:dk2>
+        <a:srgbClr val="595959"/>
+      </a:dk2>
+      <a:lt2>
+        <a:srgbClr val="EEEEEE"/>
+      </a:lt2>
+      <a:accent1>
+        <a:srgbClr val="4285F4"/>
+      </a:accent1>
+      <a:accent2>
+        <a:srgbClr val="212121"/>
+      </a:accent2>
+      <a:accent3>
+        <a:srgbClr val="78909C"/>
+      </a:accent3>
+      <a:accent4>
+        <a:srgbClr val="FFAB40"/>
+      </a:accent4>
+      <a:accent5>
+        <a:srgbClr val="0097A7"/>
+      </a:accent5>
+      <a:accent6>
+        <a:srgbClr val="EEFF41"/>
+      </a:accent6>
+      <a:hlink>
+        <a:srgbClr val="0097A7"/>
+      </a:hlink>
+      <a:folHlink>
+        <a:srgbClr val="0097A7"/>
+      </a:folHlink>
+    </a:clrScheme>
+    <a:fontScheme name="Office">
+      <a:majorFont>
+        <a:latin typeface="Arial"/>
+        <a:ea typeface=""/>
+        <a:cs typeface=""/>
+        <a:font script="Jpan" typeface="ＭＳ Ｐゴシック"/>
+        <a:font script="Hang" typeface="맑은 고딕"/>
+        <a:font script="Hans" typeface="宋体"/>
+        <a:font script="Hant" typeface="新細明體"/>
+        <a:font script="Arab" typeface="Times New Roman"/>
+        <a:font script="Hebr" typeface="Times New Roman"/>
+        <a:font script="Thai" typeface="Angsana New"/>
+        <a:font script="Ethi" typeface="Nyala"/>
+        <a:font script="Beng" typeface="Vrinda"/>
+        <a:font script="Gujr" typeface="Shruti"/>
+        <a:font script="Khmr" typeface="MoolBoran"/>
+        <a:font script="Knda" typeface="Tunga"/>
+        <a:font script="Guru" typeface="Raavi"/>
+        <a:font script="Cans" typeface="Euphemia"/>
+        <a:font script="Cher" typeface="Plantagenet Cherokee"/>
+        <a:font script="Yiii" typeface="Microsoft Yi Baiti"/>
+        <a:font script="Tibt" typeface="Microsoft Himalaya"/>
+        <a:font script="Thaa" typeface="MV Boli"/>
+        <a:font script="Deva" typeface="Mangal"/>
+        <a:font script="Telu" typeface="Gautami"/>
+        <a:font script="Taml" typeface="Latha"/>
+        <a:font script="Syrc" typeface="Estrangelo Edessa"/>
+        <a:font script="Orya" typeface="Kalinga"/>
+        <a:font script="Mlym" typeface="Kartika"/>
+        <a:font script="Laoo" typeface="DokChampa"/>
+        <a:font script="Sinh" typeface="Iskoola Pota"/>
+        <a:font script="Mong" typeface="Mongolian Baiti"/>
+        <a:font script="Viet" typeface="Times New Roman"/>
+        <a:font script="Uigh" typeface="Microsoft Uighur"/>
+        <a:font script="Geor" typeface="Sylfaen"/>
+      </a:majorFont>
+      <a:minorFont>
+        <a:latin typeface="Arial"/>
+        <a:ea typeface=""/>
+        <a:cs typeface=""/>
+        <a:font script="Jpan" typeface="ＭＳ Ｐゴシック"/>
+        <a:font script="Hang" typeface="맑은 고딕"/>
+        <a:font script="Hans" typeface="宋体"/>
+        <a:font script="Hant" typeface="新細明體"/>
+        <a:font script="Arab" typeface="Arial"/>
+        <a:font script="Hebr" typeface="Arial"/>
+        <a:font script="Thai" typeface="Cordia New"/>
+        <a:font script="Ethi" typeface="Nyala"/>
+        <a:font script="Beng" typeface="Vrinda"/>
+        <a:font script="Gujr" typeface="Shruti"/>
+        <a:font script="Khmr" typeface="DaunPenh"/>
+        <a:font script="Knda" typeface="Tunga"/>
+        <a:font script="Guru" typeface="Raavi"/>
+        <a:font script="Cans" typeface="Euphemia"/>
+        <a:font script="Cher" typeface="Plantagenet Cherokee"/>
+        <a:font script="Yiii" typeface="Microsoft Yi Baiti"/>
+        <a:font script="Tibt" typeface="Microsoft Himalaya"/>
+        <a:font script="Thaa" typeface="MV Boli"/>
+        <a:font script="Deva" typeface="Mangal"/>
+        <a:font script="Telu" typeface="Gautami"/>
+        <a:font script="Taml" typeface="Latha"/>
+        <a:font script="Syrc" typeface="Estrangelo Edessa"/>
+        <a:font script="Orya" typeface="Kalinga"/>
+        <a:font script="Mlym" typeface="Kartika"/>
+        <a:font script="Laoo" typeface="DokChampa"/>
+        <a:font script="Sinh" typeface="Iskoola Pota"/>
+        <a:font script="Mong" typeface="Mongolian Baiti"/>
+        <a:font script="Viet" typeface="Arial"/>
+        <a:font script="Uigh" typeface="Microsoft Uighur"/>
+        <a:font script="Geor" typeface="Sylfaen"/>
+      </a:minorFont>
+    </a:fontScheme>
+    <a:fmtScheme name="Office">
+      <a:fillStyleLst>
+        <a:solidFill>
+          <a:schemeClr val="phClr"/>
+        </a:solidFill>
+        <a:gradFill rotWithShape="1">
+          <a:gsLst>
+            <a:gs pos="0">
+              <a:schemeClr val="phClr">
+                <a:tint val="50000"/>
+                <a:satMod val="300000"/>
+              </a:schemeClr>
+            </a:gs>
+            <a:gs pos="35000">
+              <a:schemeClr val="phClr">
+                <a:tint val="37000"/>
+                <a:satMod val="300000"/>
+              </a:schemeClr>
+            </a:gs>
+            <a:gs pos="100000">
+              <a:schemeClr val="phClr">
+                <a:tint val="15000"/>
+                <a:satMod val="350000"/>
+              </a:schemeClr>
+            </a:gs>
+          </a:gsLst>
+          <a:lin ang="16200000" scaled="1"/>
+        </a:gradFill>
+        <a:gradFill rotWithShape="1">
+          <a:gsLst>
+            <a:gs pos="0">
+              <a:schemeClr val="phClr">
+                <a:tint val="100000"/>
+                <a:shade val="100000"/>
+                <a:satMod val="130000"/>
+              </a:schemeClr>
+            </a:gs>
+            <a:gs pos="100000">
+              <a:schemeClr val="phClr">
+                <a:tint val="50000"/>
+                <a:shade val="100000"/>
+                <a:satMod val="350000"/>
+              </a:schemeClr>
+            </a:gs>
+          </a:gsLst>
+          <a:lin ang="16200000" scaled="0"/>
+        </a:gradFill>
+      </a:fillStyleLst>
+      <a:lnStyleLst>
+        <a:ln w="9525" cap="flat" cmpd="sng" algn="ctr">
+          <a:solidFill>
+            <a:schemeClr val="phClr">
+              <a:shade val="95000"/>
+              <a:satMod val="105000"/>
+            </a:schemeClr>
+          </a:solidFill>
+          <a:prstDash val="solid"/>
+        </a:ln>
+        <a:ln w="25400" cap="flat" cmpd="sng" algn="ctr">
+          <a:solidFill>
+            <a:schemeClr val="phClr"/>
+          </a:solidFill>
+          <a:prstDash val="solid"/>
+        </a:ln>
+        <a:ln w="38100" cap="flat" cmpd="sng" algn="ctr">
+          <a:solidFill>
+            <a:schemeClr val="phClr"/>
+          </a:solidFill>
+          <a:prstDash val="solid"/>
+        </a:ln>
+      </a:lnStyleLst>
+      <a:effectStyleLst>
+        <a:effectStyle>
+          <a:effectLst>
+            <a:outerShdw blurRad="40000" dist="20000" dir="5400000" rotWithShape="0">
+              <a:srgbClr val="000000">
+                <a:alpha val="38000"/>
+              </a:srgbClr>
+            </a:outerShdw>
+          </a:effectLst>
+        </a:effectStyle>
+        <a:effectStyle>
+          <a:effectLst>
+            <a:outerShdw blurRad="40000" dist="23000" dir="5400000" rotWithShape="0">
+              <a:srgbClr val="000000">
+                <a:alpha val="35000"/>
+              </a:srgbClr>
+            </a:outerShdw>
+          </a:effectLst>
+        </a:effectStyle>
+        <a:effectStyle>
+          <a:effectLst>
+            <a:outerShdw blurRad="40000" dist="23000" dir="5400000" rotWithShape="0">
+              <a:srgbClr val="000000">
+                <a:alpha val="35000"/>
+              </a:srgbClr>
+            </a:outerShdw>
+          </a:effectLst>
+          <a:scene3d>
+            <a:camera prst="orthographicFront">
+              <a:rot lat="0" lon="0" rev="0"/>
+            </a:camera>
+            <a:lightRig rig="threePt" dir="t">
+              <a:rot lat="0" lon="0" rev="1200000"/>
+            </a:lightRig>
+          </a:scene3d>
+          <a:sp3d>
+            <a:bevelT w="63500" h="25400"/>
+          </a:sp3d>
+        </a:effectStyle>
+      </a:effectStyleLst>
+      <a:bgFillStyleLst>
+        <a:solidFill>
+          <a:schemeClr val="phClr"/>
+        </a:solidFill>
+        <a:gradFill rotWithShape="1">
+          <a:gsLst>
+            <a:gs pos="0">
+              <a:schemeClr val="phClr">
+                <a:tint val="40000"/>
+                <a:satMod val="350000"/>
+              </a:schemeClr>
+            </a:gs>
+            <a:gs pos="40000">
+              <a:schemeClr val="phClr">
+                <a:tint val="45000"/>
+                <a:shade val="99000"/>
+                <a:satMod val="350000"/>
+              </a:schemeClr>
+            </a:gs>
+            <a:gs pos="100000">
+              <a:schemeClr val="phClr">
+                <a:shade val="20000"/>
+                <a:satMod val="255000"/>
+              </a:schemeClr>
+            </a:gs>
+          </a:gsLst>
+          <a:path path="circle">
+            <a:fillToRect l="50000" t="-80000" r="50000" b="180000"/>
+          </a:path>
+        </a:gradFill>
+        <a:gradFill rotWithShape="1">
+          <a:gsLst>
+            <a:gs pos="0">
+              <a:schemeClr val="phClr">
+                <a:tint val="80000"/>
+                <a:satMod val="300000"/>
+              </a:schemeClr>
+            </a:gs>
+            <a:gs pos="100000">
+              <a:schemeClr val="phClr">
+                <a:shade val="30000"/>
+                <a:satMod val="200000"/>
+              </a:schemeClr>
+            </a:gs>
+          </a:gsLst>
+          <a:path path="circle">
+            <a:fillToRect l="50000" t="50000" r="50000" b="50000"/>
+          </a:path>
+        </a:gradFill>
+      </a:bgFillStyleLst>
+    </a:fmtScheme>
+  </a:themeElements>
+</a:theme>
 </file>